--- a/AbstractAndReport/presentation.pptx
+++ b/AbstractAndReport/presentation.pptx
@@ -116,6 +116,11 @@
       </a:defRPr>
     </a:lvl9pPr>
   </p:defaultTextStyle>
+  <p:extLst>
+    <p:ext uri="{EFAFB233-063F-42B5-8137-9DF3F51BA10A}">
+      <p15:sldGuideLst xmlns:p15="http://schemas.microsoft.com/office/powerpoint/2012/main"/>
+    </p:ext>
+  </p:extLst>
 </p:presentation>
 </file>
 
@@ -7870,11 +7875,7 @@
             </a:r>
             <a:r>
               <a:rPr lang="en-GB" dirty="0" smtClean="0"/>
-              <a:t>in</a:t>
-            </a:r>
-            <a:r>
-              <a:rPr lang="en-GB" dirty="0" smtClean="0"/>
-              <a:t> </a:t>
+              <a:t>in </a:t>
             </a:r>
             <a:r>
               <a:rPr lang="en-GB" dirty="0"/>
@@ -8397,7 +8398,35 @@
             </a:r>
             <a:r>
               <a:rPr lang="en-GB" dirty="0"/>
-              <a:t>    Arduino Programming, Python Programming, Serial Library</a:t>
+              <a:t>    Arduino Programming, Python </a:t>
+            </a:r>
+            <a:r>
+              <a:rPr lang="en-GB" dirty="0" smtClean="0"/>
+              <a:t>Programming,</a:t>
+            </a:r>
+          </a:p>
+          <a:p>
+            <a:pPr marL="0" indent="0">
+              <a:spcBef>
+                <a:spcPts val="1600"/>
+              </a:spcBef>
+              <a:buNone/>
+            </a:pPr>
+            <a:r>
+              <a:rPr lang="en-GB"/>
+              <a:t>	</a:t>
+            </a:r>
+            <a:r>
+              <a:rPr lang="en-GB" smtClean="0"/>
+              <a:t>				</a:t>
+            </a:r>
+            <a:r>
+              <a:rPr lang="en-GB" smtClean="0"/>
+              <a:t>Serial </a:t>
+            </a:r>
+            <a:r>
+              <a:rPr lang="en-GB" dirty="0"/>
+              <a:t>Library</a:t>
             </a:r>
             <a:endParaRPr dirty="0"/>
           </a:p>
